--- a/presentation-01.pptx
+++ b/presentation-01.pptx
@@ -4647,7 +4647,7 @@
       </p:sp>
       <p:pic>
         <p:nvPicPr>
-          <p:cNvPr descr="imgs/cat.png" id="0" name="Picture 1"/>
+          <p:cNvPr descr="imgs/Brown_spotted_tabby_bengal_cat_2.png" id="0" name="Picture 1"/>
           <p:cNvPicPr>
             <a:picLocks noGrp="1" noChangeAspect="1"/>
           </p:cNvPicPr>
@@ -4661,8 +4661,8 @@
         </p:blipFill>
         <p:spPr bwMode="auto">
           <a:xfrm>
-            <a:off x="2171700" y="1816100"/>
-            <a:ext cx="7848600" cy="4343400"/>
+            <a:off x="3098800" y="1816100"/>
+            <a:ext cx="6007100" cy="4343400"/>
           </a:xfrm>
           <a:prstGeom prst="rect">
             <a:avLst/>
